--- a/DOCs/UI.pptx
+++ b/DOCs/UI.pptx
@@ -18,6 +18,7 @@
     <p:sldId id="268" r:id="rId12"/>
     <p:sldId id="269" r:id="rId13"/>
     <p:sldId id="270" r:id="rId14"/>
+    <p:sldId id="271" r:id="rId15"/>
   </p:sldIdLst>
   <p:sldSz cx="12192000" cy="6858000"/>
   <p:notesSz cx="6858000" cy="9144000"/>
@@ -116,6 +117,11 @@
       </a:defRPr>
     </a:lvl9pPr>
   </p:defaultTextStyle>
+  <p:extLst>
+    <p:ext uri="{EFAFB233-063F-42B5-8137-9DF3F51BA10A}">
+      <p15:sldGuideLst xmlns:p15="http://schemas.microsoft.com/office/powerpoint/2012/main"/>
+    </p:ext>
+  </p:extLst>
 </p:presentation>
 </file>
 
@@ -268,7 +274,7 @@
           <a:p>
             <a:fld id="{6CE23966-FC3F-4ED1-B5A9-8AADDF056117}" type="datetimeFigureOut">
               <a:rPr lang="vi-VN" smtClean="0"/>
-              <a:t>21/01/2024</a:t>
+              <a:t>24/01/2024</a:t>
             </a:fld>
             <a:endParaRPr lang="vi-VN"/>
           </a:p>
@@ -468,7 +474,7 @@
           <a:p>
             <a:fld id="{6CE23966-FC3F-4ED1-B5A9-8AADDF056117}" type="datetimeFigureOut">
               <a:rPr lang="vi-VN" smtClean="0"/>
-              <a:t>21/01/2024</a:t>
+              <a:t>24/01/2024</a:t>
             </a:fld>
             <a:endParaRPr lang="vi-VN"/>
           </a:p>
@@ -678,7 +684,7 @@
           <a:p>
             <a:fld id="{6CE23966-FC3F-4ED1-B5A9-8AADDF056117}" type="datetimeFigureOut">
               <a:rPr lang="vi-VN" smtClean="0"/>
-              <a:t>21/01/2024</a:t>
+              <a:t>24/01/2024</a:t>
             </a:fld>
             <a:endParaRPr lang="vi-VN"/>
           </a:p>
@@ -878,7 +884,7 @@
           <a:p>
             <a:fld id="{6CE23966-FC3F-4ED1-B5A9-8AADDF056117}" type="datetimeFigureOut">
               <a:rPr lang="vi-VN" smtClean="0"/>
-              <a:t>21/01/2024</a:t>
+              <a:t>24/01/2024</a:t>
             </a:fld>
             <a:endParaRPr lang="vi-VN"/>
           </a:p>
@@ -1154,7 +1160,7 @@
           <a:p>
             <a:fld id="{6CE23966-FC3F-4ED1-B5A9-8AADDF056117}" type="datetimeFigureOut">
               <a:rPr lang="vi-VN" smtClean="0"/>
-              <a:t>21/01/2024</a:t>
+              <a:t>24/01/2024</a:t>
             </a:fld>
             <a:endParaRPr lang="vi-VN"/>
           </a:p>
@@ -1422,7 +1428,7 @@
           <a:p>
             <a:fld id="{6CE23966-FC3F-4ED1-B5A9-8AADDF056117}" type="datetimeFigureOut">
               <a:rPr lang="vi-VN" smtClean="0"/>
-              <a:t>21/01/2024</a:t>
+              <a:t>24/01/2024</a:t>
             </a:fld>
             <a:endParaRPr lang="vi-VN"/>
           </a:p>
@@ -1837,7 +1843,7 @@
           <a:p>
             <a:fld id="{6CE23966-FC3F-4ED1-B5A9-8AADDF056117}" type="datetimeFigureOut">
               <a:rPr lang="vi-VN" smtClean="0"/>
-              <a:t>21/01/2024</a:t>
+              <a:t>24/01/2024</a:t>
             </a:fld>
             <a:endParaRPr lang="vi-VN"/>
           </a:p>
@@ -1979,7 +1985,7 @@
           <a:p>
             <a:fld id="{6CE23966-FC3F-4ED1-B5A9-8AADDF056117}" type="datetimeFigureOut">
               <a:rPr lang="vi-VN" smtClean="0"/>
-              <a:t>21/01/2024</a:t>
+              <a:t>24/01/2024</a:t>
             </a:fld>
             <a:endParaRPr lang="vi-VN"/>
           </a:p>
@@ -2092,7 +2098,7 @@
           <a:p>
             <a:fld id="{6CE23966-FC3F-4ED1-B5A9-8AADDF056117}" type="datetimeFigureOut">
               <a:rPr lang="vi-VN" smtClean="0"/>
-              <a:t>21/01/2024</a:t>
+              <a:t>24/01/2024</a:t>
             </a:fld>
             <a:endParaRPr lang="vi-VN"/>
           </a:p>
@@ -2405,7 +2411,7 @@
           <a:p>
             <a:fld id="{6CE23966-FC3F-4ED1-B5A9-8AADDF056117}" type="datetimeFigureOut">
               <a:rPr lang="vi-VN" smtClean="0"/>
-              <a:t>21/01/2024</a:t>
+              <a:t>24/01/2024</a:t>
             </a:fld>
             <a:endParaRPr lang="vi-VN"/>
           </a:p>
@@ -2694,7 +2700,7 @@
           <a:p>
             <a:fld id="{6CE23966-FC3F-4ED1-B5A9-8AADDF056117}" type="datetimeFigureOut">
               <a:rPr lang="vi-VN" smtClean="0"/>
-              <a:t>21/01/2024</a:t>
+              <a:t>24/01/2024</a:t>
             </a:fld>
             <a:endParaRPr lang="vi-VN"/>
           </a:p>
@@ -2937,7 +2943,7 @@
           <a:p>
             <a:fld id="{6CE23966-FC3F-4ED1-B5A9-8AADDF056117}" type="datetimeFigureOut">
               <a:rPr lang="vi-VN" smtClean="0"/>
-              <a:t>21/01/2024</a:t>
+              <a:t>24/01/2024</a:t>
             </a:fld>
             <a:endParaRPr lang="vi-VN"/>
           </a:p>
@@ -7522,6 +7528,36 @@
     <p:extLst>
       <p:ext uri="{BB962C8B-B14F-4D97-AF65-F5344CB8AC3E}">
         <p14:creationId xmlns:p14="http://schemas.microsoft.com/office/powerpoint/2010/main" val="1747291395"/>
+      </p:ext>
+    </p:extLst>
+  </p:cSld>
+  <p:clrMapOvr>
+    <a:masterClrMapping/>
+  </p:clrMapOvr>
+</p:sld>
+</file>
+
+<file path=ppt/slides/slide14.xml><?xml version="1.0" encoding="utf-8"?>
+<p:sld xmlns:a="http://schemas.openxmlformats.org/drawingml/2006/main" xmlns:r="http://schemas.openxmlformats.org/officeDocument/2006/relationships" xmlns:p="http://schemas.openxmlformats.org/presentationml/2006/main">
+  <p:cSld>
+    <p:spTree>
+      <p:nvGrpSpPr>
+        <p:cNvPr id="1" name=""/>
+        <p:cNvGrpSpPr/>
+        <p:nvPr/>
+      </p:nvGrpSpPr>
+      <p:grpSpPr>
+        <a:xfrm>
+          <a:off x="0" y="0"/>
+          <a:ext cx="0" cy="0"/>
+          <a:chOff x="0" y="0"/>
+          <a:chExt cx="0" cy="0"/>
+        </a:xfrm>
+      </p:grpSpPr>
+    </p:spTree>
+    <p:extLst>
+      <p:ext uri="{BB962C8B-B14F-4D97-AF65-F5344CB8AC3E}">
+        <p14:creationId xmlns:p14="http://schemas.microsoft.com/office/powerpoint/2010/main" val="2723495045"/>
       </p:ext>
     </p:extLst>
   </p:cSld>
